--- a/13_big_data/R_big_data.pptx
+++ b/13_big_data/R_big_data.pptx
@@ -16,6 +16,7 @@
     <p:sldId id="260" r:id="rId10"/>
     <p:sldId id="261" r:id="rId11"/>
     <p:sldId id="262" r:id="rId12"/>
+    <p:sldId id="263" r:id="rId13"/>
   </p:sldIdLst>
   <p:sldSz cy="5143500" cx="9144000"/>
   <p:notesSz cx="6858000" cy="9144000"/>
@@ -418,8 +419,8 @@
         </p:nvSpPr>
         <p:spPr>
           <a:xfrm>
-            <a:off x="381287" y="685800"/>
-            <a:ext cx="6096299" cy="3429000"/>
+            <a:off x="381288" y="685800"/>
+            <a:ext cx="6096300" cy="3429000"/>
           </a:xfrm>
           <a:custGeom>
             <a:pathLst>
@@ -776,7 +777,7 @@
   <p:cSld>
     <p:spTree>
       <p:nvGrpSpPr>
-        <p:cNvPr id="151" name="Shape 151"/>
+        <p:cNvPr id="150" name="Shape 150"/>
         <p:cNvGrpSpPr/>
         <p:nvPr/>
       </p:nvGrpSpPr>
@@ -790,7 +791,7 @@
       </p:grpSpPr>
       <p:sp>
         <p:nvSpPr>
-          <p:cNvPr id="152" name="Shape 152"/>
+          <p:cNvPr id="151" name="Shape 151"/>
           <p:cNvSpPr/>
           <p:nvPr>
             <p:ph idx="2" type="sldImg"/>
@@ -824,7 +825,7 @@
       </p:sp>
       <p:sp>
         <p:nvSpPr>
-          <p:cNvPr id="153" name="Shape 153"/>
+          <p:cNvPr id="152" name="Shape 152"/>
           <p:cNvSpPr txBox="1"/>
           <p:nvPr>
             <p:ph idx="1" type="body"/>
@@ -871,7 +872,7 @@
   <p:cSld>
     <p:spTree>
       <p:nvGrpSpPr>
-        <p:cNvPr id="157" name="Shape 157"/>
+        <p:cNvPr id="156" name="Shape 156"/>
         <p:cNvGrpSpPr/>
         <p:nvPr/>
       </p:nvGrpSpPr>
@@ -885,7 +886,7 @@
       </p:grpSpPr>
       <p:sp>
         <p:nvSpPr>
-          <p:cNvPr id="158" name="Shape 158"/>
+          <p:cNvPr id="157" name="Shape 157"/>
           <p:cNvSpPr/>
           <p:nvPr>
             <p:ph idx="2" type="sldImg"/>
@@ -919,7 +920,7 @@
       </p:sp>
       <p:sp>
         <p:nvSpPr>
-          <p:cNvPr id="159" name="Shape 159"/>
+          <p:cNvPr id="158" name="Shape 158"/>
           <p:cNvSpPr txBox="1"/>
           <p:nvPr>
             <p:ph idx="1" type="body"/>
@@ -966,7 +967,7 @@
   <p:cSld>
     <p:spTree>
       <p:nvGrpSpPr>
-        <p:cNvPr id="163" name="Shape 163"/>
+        <p:cNvPr id="162" name="Shape 162"/>
         <p:cNvGrpSpPr/>
         <p:nvPr/>
       </p:nvGrpSpPr>
@@ -980,7 +981,7 @@
       </p:grpSpPr>
       <p:sp>
         <p:nvSpPr>
-          <p:cNvPr id="164" name="Shape 164"/>
+          <p:cNvPr id="163" name="Shape 163"/>
           <p:cNvSpPr/>
           <p:nvPr>
             <p:ph idx="2" type="sldImg"/>
@@ -1014,7 +1015,102 @@
       </p:sp>
       <p:sp>
         <p:nvSpPr>
-          <p:cNvPr id="165" name="Shape 165"/>
+          <p:cNvPr id="164" name="Shape 164"/>
+          <p:cNvSpPr txBox="1"/>
+          <p:nvPr>
+            <p:ph idx="1" type="body"/>
+          </p:nvPr>
+        </p:nvSpPr>
+        <p:spPr>
+          <a:xfrm>
+            <a:off x="685800" y="4343400"/>
+            <a:ext cx="5486400" cy="4114800"/>
+          </a:xfrm>
+          <a:prstGeom prst="rect">
+            <a:avLst/>
+          </a:prstGeom>
+        </p:spPr>
+        <p:txBody>
+          <a:bodyPr anchorCtr="0" anchor="t" bIns="91425" lIns="91425" rIns="91425" wrap="square" tIns="91425">
+            <a:noAutofit/>
+          </a:bodyPr>
+          <a:lstStyle/>
+          <a:p>
+            <a:pPr lvl="0">
+              <a:spcBef>
+                <a:spcPts val="0"/>
+              </a:spcBef>
+              <a:buNone/>
+            </a:pPr>
+            <a:r>
+              <a:t/>
+            </a:r>
+            <a:endParaRPr/>
+          </a:p>
+        </p:txBody>
+      </p:sp>
+    </p:spTree>
+  </p:cSld>
+  <p:clrMapOvr>
+    <a:masterClrMapping/>
+  </p:clrMapOvr>
+</p:notes>
+</file>
+
+<file path=ppt/notesSlides/notesSlide8.xml><?xml version="1.0" encoding="utf-8"?>
+<p:notes xmlns:a="http://schemas.openxmlformats.org/drawingml/2006/main" xmlns:r="http://schemas.openxmlformats.org/officeDocument/2006/relationships" xmlns:mc="http://schemas.openxmlformats.org/markup-compatibility/2006" xmlns:mv="urn:schemas-microsoft-com:mac:vml" xmlns:p="http://schemas.openxmlformats.org/presentationml/2006/main" xmlns:c="http://schemas.openxmlformats.org/drawingml/2006/chart" xmlns:dgm="http://schemas.openxmlformats.org/drawingml/2006/diagram" xmlns:o="urn:schemas-microsoft-com:office:office" xmlns:v="urn:schemas-microsoft-com:vml" xmlns:pvml="urn:schemas-microsoft-com:office:powerpoint" xmlns:com="http://schemas.openxmlformats.org/drawingml/2006/compatibility" xmlns:p14="http://schemas.microsoft.com/office/powerpoint/2010/main" xmlns:p15="http://schemas.microsoft.com/office/powerpoint/2012/main" showMasterPhAnim="0" showMasterSp="0">
+  <p:cSld>
+    <p:spTree>
+      <p:nvGrpSpPr>
+        <p:cNvPr id="167" name="Shape 167"/>
+        <p:cNvGrpSpPr/>
+        <p:nvPr/>
+      </p:nvGrpSpPr>
+      <p:grpSpPr>
+        <a:xfrm>
+          <a:off x="0" y="0"/>
+          <a:ext cx="0" cy="0"/>
+          <a:chOff x="0" y="0"/>
+          <a:chExt cx="0" cy="0"/>
+        </a:xfrm>
+      </p:grpSpPr>
+      <p:sp>
+        <p:nvSpPr>
+          <p:cNvPr id="168" name="Shape 168"/>
+          <p:cNvSpPr/>
+          <p:nvPr>
+            <p:ph idx="2" type="sldImg"/>
+          </p:nvPr>
+        </p:nvSpPr>
+        <p:spPr>
+          <a:xfrm>
+            <a:off x="381300" y="685800"/>
+            <a:ext cx="6096000" cy="3429000"/>
+          </a:xfrm>
+          <a:custGeom>
+            <a:pathLst>
+              <a:path extrusionOk="0" h="120000" w="120000">
+                <a:moveTo>
+                  <a:pt x="0" y="0"/>
+                </a:moveTo>
+                <a:lnTo>
+                  <a:pt x="120000" y="0"/>
+                </a:lnTo>
+                <a:lnTo>
+                  <a:pt x="120000" y="120000"/>
+                </a:lnTo>
+                <a:lnTo>
+                  <a:pt x="0" y="120000"/>
+                </a:lnTo>
+                <a:close/>
+              </a:path>
+            </a:pathLst>
+          </a:custGeom>
+        </p:spPr>
+      </p:sp>
+      <p:sp>
+        <p:nvSpPr>
+          <p:cNvPr id="169" name="Shape 169"/>
           <p:cNvSpPr txBox="1"/>
           <p:nvPr>
             <p:ph idx="1" type="body"/>
@@ -1320,7 +1416,7 @@
         </p:nvSpPr>
         <p:spPr>
           <a:xfrm>
-            <a:off x="8472457" y="4663216"/>
+            <a:off x="8472458" y="4663217"/>
             <a:ext cx="548700" cy="393600"/>
           </a:xfrm>
           <a:prstGeom prst="rect">
@@ -1546,7 +1642,7 @@
         </p:nvSpPr>
         <p:spPr>
           <a:xfrm>
-            <a:off x="8472457" y="4663216"/>
+            <a:off x="8472458" y="4663217"/>
             <a:ext cx="548700" cy="393600"/>
           </a:xfrm>
           <a:prstGeom prst="rect">
@@ -1607,7 +1703,7 @@
         </p:nvSpPr>
         <p:spPr>
           <a:xfrm>
-            <a:off x="8472457" y="4663216"/>
+            <a:off x="8472458" y="4663217"/>
             <a:ext cx="548700" cy="393600"/>
           </a:xfrm>
           <a:prstGeom prst="rect">
@@ -1668,7 +1764,7 @@
         </p:nvSpPr>
         <p:spPr>
           <a:xfrm>
-            <a:off x="685800" y="841773"/>
+            <a:off x="685801" y="841773"/>
             <a:ext cx="7772400" cy="1790700"/>
           </a:xfrm>
           <a:prstGeom prst="rect">
@@ -1774,7 +1870,7 @@
         </p:nvSpPr>
         <p:spPr>
           <a:xfrm>
-            <a:off x="1143001" y="2701531"/>
+            <a:off x="1143001" y="2701532"/>
             <a:ext cx="6858000" cy="1241700"/>
           </a:xfrm>
           <a:prstGeom prst="rect">
@@ -2000,7 +2096,7 @@
         </p:nvSpPr>
         <p:spPr>
           <a:xfrm>
-            <a:off x="628650" y="4767269"/>
+            <a:off x="628651" y="4767269"/>
             <a:ext cx="2057400" cy="273900"/>
           </a:xfrm>
           <a:prstGeom prst="rect">
@@ -2326,8 +2422,8 @@
         </p:nvSpPr>
         <p:spPr>
           <a:xfrm>
-            <a:off x="6457955" y="4767269"/>
-            <a:ext cx="2057399" cy="273900"/>
+            <a:off x="6457956" y="4767269"/>
+            <a:ext cx="2057400" cy="273900"/>
           </a:xfrm>
           <a:prstGeom prst="rect">
             <a:avLst/>
@@ -2400,7 +2496,7 @@
         </p:nvSpPr>
         <p:spPr>
           <a:xfrm>
-            <a:off x="628650" y="273845"/>
+            <a:off x="628651" y="273845"/>
             <a:ext cx="7886700" cy="994200"/>
           </a:xfrm>
           <a:prstGeom prst="rect">
@@ -2506,7 +2602,7 @@
         </p:nvSpPr>
         <p:spPr>
           <a:xfrm>
-            <a:off x="628650" y="1369220"/>
+            <a:off x="628651" y="1369220"/>
             <a:ext cx="7886700" cy="3263400"/>
           </a:xfrm>
           <a:prstGeom prst="rect">
@@ -2741,7 +2837,7 @@
         </p:nvSpPr>
         <p:spPr>
           <a:xfrm>
-            <a:off x="628650" y="4767269"/>
+            <a:off x="628651" y="4767269"/>
             <a:ext cx="2057400" cy="273900"/>
           </a:xfrm>
           <a:prstGeom prst="rect">
@@ -3067,8 +3163,8 @@
         </p:nvSpPr>
         <p:spPr>
           <a:xfrm>
-            <a:off x="6457955" y="4767269"/>
-            <a:ext cx="2057399" cy="273900"/>
+            <a:off x="6457956" y="4767269"/>
+            <a:ext cx="2057400" cy="273900"/>
           </a:xfrm>
           <a:prstGeom prst="rect">
             <a:avLst/>
@@ -3247,7 +3343,7 @@
         </p:nvSpPr>
         <p:spPr>
           <a:xfrm>
-            <a:off x="623888" y="3442102"/>
+            <a:off x="623888" y="3442103"/>
             <a:ext cx="7886700" cy="1125300"/>
           </a:xfrm>
           <a:prstGeom prst="rect">
@@ -3473,7 +3569,7 @@
         </p:nvSpPr>
         <p:spPr>
           <a:xfrm>
-            <a:off x="628650" y="4767269"/>
+            <a:off x="628651" y="4767269"/>
             <a:ext cx="2057400" cy="273900"/>
           </a:xfrm>
           <a:prstGeom prst="rect">
@@ -3799,8 +3895,8 @@
         </p:nvSpPr>
         <p:spPr>
           <a:xfrm>
-            <a:off x="6457955" y="4767269"/>
-            <a:ext cx="2057399" cy="273900"/>
+            <a:off x="6457956" y="4767269"/>
+            <a:ext cx="2057400" cy="273900"/>
           </a:xfrm>
           <a:prstGeom prst="rect">
             <a:avLst/>
@@ -3873,7 +3969,7 @@
         </p:nvSpPr>
         <p:spPr>
           <a:xfrm>
-            <a:off x="628650" y="273845"/>
+            <a:off x="628651" y="273845"/>
             <a:ext cx="7886700" cy="994200"/>
           </a:xfrm>
           <a:prstGeom prst="rect">
@@ -4449,7 +4545,7 @@
         </p:nvSpPr>
         <p:spPr>
           <a:xfrm>
-            <a:off x="628650" y="4767269"/>
+            <a:off x="628651" y="4767269"/>
             <a:ext cx="2057400" cy="273900"/>
           </a:xfrm>
           <a:prstGeom prst="rect">
@@ -4775,8 +4871,8 @@
         </p:nvSpPr>
         <p:spPr>
           <a:xfrm>
-            <a:off x="6457955" y="4767269"/>
-            <a:ext cx="2057399" cy="273900"/>
+            <a:off x="6457956" y="4767269"/>
+            <a:ext cx="2057400" cy="273900"/>
           </a:xfrm>
           <a:prstGeom prst="rect">
             <a:avLst/>
@@ -4955,7 +5051,7 @@
         </p:nvSpPr>
         <p:spPr>
           <a:xfrm>
-            <a:off x="629842" y="1260873"/>
+            <a:off x="629843" y="1260874"/>
             <a:ext cx="3868500" cy="618000"/>
           </a:xfrm>
           <a:prstGeom prst="rect">
@@ -5181,8 +5277,8 @@
         </p:nvSpPr>
         <p:spPr>
           <a:xfrm>
-            <a:off x="629842" y="1878808"/>
-            <a:ext cx="3868500" cy="2763299"/>
+            <a:off x="629843" y="1878809"/>
+            <a:ext cx="3868500" cy="2763300"/>
           </a:xfrm>
           <a:prstGeom prst="rect">
             <a:avLst/>
@@ -5416,7 +5512,7 @@
         </p:nvSpPr>
         <p:spPr>
           <a:xfrm>
-            <a:off x="4629155" y="1260873"/>
+            <a:off x="4629155" y="1260874"/>
             <a:ext cx="3887400" cy="618000"/>
           </a:xfrm>
           <a:prstGeom prst="rect">
@@ -5642,8 +5738,8 @@
         </p:nvSpPr>
         <p:spPr>
           <a:xfrm>
-            <a:off x="4629155" y="1878808"/>
-            <a:ext cx="3887400" cy="2763299"/>
+            <a:off x="4629155" y="1878809"/>
+            <a:ext cx="3887400" cy="2763300"/>
           </a:xfrm>
           <a:prstGeom prst="rect">
             <a:avLst/>
@@ -5877,7 +5973,7 @@
         </p:nvSpPr>
         <p:spPr>
           <a:xfrm>
-            <a:off x="628650" y="4767269"/>
+            <a:off x="628651" y="4767269"/>
             <a:ext cx="2057400" cy="273900"/>
           </a:xfrm>
           <a:prstGeom prst="rect">
@@ -6203,8 +6299,8 @@
         </p:nvSpPr>
         <p:spPr>
           <a:xfrm>
-            <a:off x="6457955" y="4767269"/>
-            <a:ext cx="2057399" cy="273900"/>
+            <a:off x="6457956" y="4767269"/>
+            <a:ext cx="2057400" cy="273900"/>
           </a:xfrm>
           <a:prstGeom prst="rect">
             <a:avLst/>
@@ -6277,7 +6373,7 @@
         </p:nvSpPr>
         <p:spPr>
           <a:xfrm>
-            <a:off x="628650" y="273845"/>
+            <a:off x="628651" y="273845"/>
             <a:ext cx="7886700" cy="994200"/>
           </a:xfrm>
           <a:prstGeom prst="rect">
@@ -6383,7 +6479,7 @@
         </p:nvSpPr>
         <p:spPr>
           <a:xfrm>
-            <a:off x="628650" y="4767269"/>
+            <a:off x="628651" y="4767269"/>
             <a:ext cx="2057400" cy="273900"/>
           </a:xfrm>
           <a:prstGeom prst="rect">
@@ -6709,8 +6805,8 @@
         </p:nvSpPr>
         <p:spPr>
           <a:xfrm>
-            <a:off x="6457955" y="4767269"/>
-            <a:ext cx="2057399" cy="273900"/>
+            <a:off x="6457956" y="4767269"/>
+            <a:ext cx="2057400" cy="273900"/>
           </a:xfrm>
           <a:prstGeom prst="rect">
             <a:avLst/>
@@ -6783,7 +6879,7 @@
         </p:nvSpPr>
         <p:spPr>
           <a:xfrm>
-            <a:off x="628650" y="4767269"/>
+            <a:off x="628651" y="4767269"/>
             <a:ext cx="2057400" cy="273900"/>
           </a:xfrm>
           <a:prstGeom prst="rect">
@@ -7109,8 +7205,8 @@
         </p:nvSpPr>
         <p:spPr>
           <a:xfrm>
-            <a:off x="6457955" y="4767269"/>
-            <a:ext cx="2057399" cy="273900"/>
+            <a:off x="6457956" y="4767269"/>
+            <a:ext cx="2057400" cy="273900"/>
           </a:xfrm>
           <a:prstGeom prst="rect">
             <a:avLst/>
@@ -7289,7 +7385,7 @@
         </p:nvSpPr>
         <p:spPr>
           <a:xfrm>
-            <a:off x="3887394" y="740570"/>
+            <a:off x="3887394" y="740571"/>
             <a:ext cx="4629000" cy="3655200"/>
           </a:xfrm>
           <a:prstGeom prst="rect">
@@ -7524,8 +7620,8 @@
         </p:nvSpPr>
         <p:spPr>
           <a:xfrm>
-            <a:off x="629841" y="1543051"/>
-            <a:ext cx="2949000" cy="2858699"/>
+            <a:off x="629841" y="1543052"/>
+            <a:ext cx="2949000" cy="2858700"/>
           </a:xfrm>
           <a:prstGeom prst="rect">
             <a:avLst/>
@@ -7750,7 +7846,7 @@
         </p:nvSpPr>
         <p:spPr>
           <a:xfrm>
-            <a:off x="628650" y="4767269"/>
+            <a:off x="628651" y="4767269"/>
             <a:ext cx="2057400" cy="273900"/>
           </a:xfrm>
           <a:prstGeom prst="rect">
@@ -8076,8 +8172,8 @@
         </p:nvSpPr>
         <p:spPr>
           <a:xfrm>
-            <a:off x="6457955" y="4767269"/>
-            <a:ext cx="2057399" cy="273900"/>
+            <a:off x="6457956" y="4767269"/>
+            <a:ext cx="2057400" cy="273900"/>
           </a:xfrm>
           <a:prstGeom prst="rect">
             <a:avLst/>
@@ -8237,7 +8333,7 @@
         </p:nvSpPr>
         <p:spPr>
           <a:xfrm>
-            <a:off x="8472457" y="4663216"/>
+            <a:off x="8472458" y="4663217"/>
             <a:ext cx="548700" cy="393600"/>
           </a:xfrm>
           <a:prstGeom prst="rect">
@@ -8404,7 +8500,7 @@
         </p:nvSpPr>
         <p:spPr>
           <a:xfrm>
-            <a:off x="3887394" y="740570"/>
+            <a:off x="3887394" y="740571"/>
             <a:ext cx="4629000" cy="3655200"/>
           </a:xfrm>
           <a:prstGeom prst="rect">
@@ -8639,8 +8735,8 @@
         </p:nvSpPr>
         <p:spPr>
           <a:xfrm>
-            <a:off x="629841" y="1543051"/>
-            <a:ext cx="2949000" cy="2858699"/>
+            <a:off x="629841" y="1543052"/>
+            <a:ext cx="2949000" cy="2858700"/>
           </a:xfrm>
           <a:prstGeom prst="rect">
             <a:avLst/>
@@ -8865,7 +8961,7 @@
         </p:nvSpPr>
         <p:spPr>
           <a:xfrm>
-            <a:off x="628650" y="4767269"/>
+            <a:off x="628651" y="4767269"/>
             <a:ext cx="2057400" cy="273900"/>
           </a:xfrm>
           <a:prstGeom prst="rect">
@@ -9191,8 +9287,8 @@
         </p:nvSpPr>
         <p:spPr>
           <a:xfrm>
-            <a:off x="6457955" y="4767269"/>
-            <a:ext cx="2057399" cy="273900"/>
+            <a:off x="6457956" y="4767269"/>
+            <a:ext cx="2057400" cy="273900"/>
           </a:xfrm>
           <a:prstGeom prst="rect">
             <a:avLst/>
@@ -9265,7 +9361,7 @@
         </p:nvSpPr>
         <p:spPr>
           <a:xfrm>
-            <a:off x="628650" y="273845"/>
+            <a:off x="628651" y="273845"/>
             <a:ext cx="7886700" cy="994200"/>
           </a:xfrm>
           <a:prstGeom prst="rect">
@@ -9371,7 +9467,7 @@
         </p:nvSpPr>
         <p:spPr>
           <a:xfrm rot="5400000">
-            <a:off x="2940307" y="-942429"/>
+            <a:off x="2940308" y="-942430"/>
             <a:ext cx="3263400" cy="7886700"/>
           </a:xfrm>
           <a:prstGeom prst="rect">
@@ -9606,7 +9702,7 @@
         </p:nvSpPr>
         <p:spPr>
           <a:xfrm>
-            <a:off x="628650" y="4767269"/>
+            <a:off x="628651" y="4767269"/>
             <a:ext cx="2057400" cy="273900"/>
           </a:xfrm>
           <a:prstGeom prst="rect">
@@ -9932,8 +10028,8 @@
         </p:nvSpPr>
         <p:spPr>
           <a:xfrm>
-            <a:off x="6457955" y="4767269"/>
-            <a:ext cx="2057399" cy="273900"/>
+            <a:off x="6457956" y="4767269"/>
+            <a:ext cx="2057400" cy="273900"/>
           </a:xfrm>
           <a:prstGeom prst="rect">
             <a:avLst/>
@@ -10006,7 +10102,7 @@
         </p:nvSpPr>
         <p:spPr>
           <a:xfrm rot="5400000">
-            <a:off x="5350057" y="1467543"/>
+            <a:off x="5350058" y="1467544"/>
             <a:ext cx="4359000" cy="1971600"/>
           </a:xfrm>
           <a:prstGeom prst="rect">
@@ -10112,7 +10208,7 @@
         </p:nvSpPr>
         <p:spPr>
           <a:xfrm rot="5400000">
-            <a:off x="1349630" y="-446906"/>
+            <a:off x="1349631" y="-446906"/>
             <a:ext cx="4359000" cy="5800500"/>
           </a:xfrm>
           <a:prstGeom prst="rect">
@@ -10347,7 +10443,7 @@
         </p:nvSpPr>
         <p:spPr>
           <a:xfrm>
-            <a:off x="628650" y="4767269"/>
+            <a:off x="628651" y="4767269"/>
             <a:ext cx="2057400" cy="273900"/>
           </a:xfrm>
           <a:prstGeom prst="rect">
@@ -10673,8 +10769,8 @@
         </p:nvSpPr>
         <p:spPr>
           <a:xfrm>
-            <a:off x="6457955" y="4767269"/>
-            <a:ext cx="2057399" cy="273900"/>
+            <a:off x="6457956" y="4767269"/>
+            <a:ext cx="2057400" cy="273900"/>
           </a:xfrm>
           <a:prstGeom prst="rect">
             <a:avLst/>
@@ -10903,7 +10999,7 @@
         </p:nvSpPr>
         <p:spPr>
           <a:xfrm>
-            <a:off x="8472457" y="4663216"/>
+            <a:off x="8472458" y="4663217"/>
             <a:ext cx="548700" cy="393600"/>
           </a:xfrm>
           <a:prstGeom prst="rect">
@@ -11216,7 +11312,7 @@
         </p:nvSpPr>
         <p:spPr>
           <a:xfrm>
-            <a:off x="8472457" y="4663216"/>
+            <a:off x="8472458" y="4663217"/>
             <a:ext cx="548700" cy="393600"/>
           </a:xfrm>
           <a:prstGeom prst="rect">
@@ -11355,7 +11451,7 @@
         </p:nvSpPr>
         <p:spPr>
           <a:xfrm>
-            <a:off x="8472457" y="4663216"/>
+            <a:off x="8472458" y="4663217"/>
             <a:ext cx="548700" cy="393600"/>
           </a:xfrm>
           <a:prstGeom prst="rect">
@@ -11590,7 +11686,7 @@
         </p:nvSpPr>
         <p:spPr>
           <a:xfrm>
-            <a:off x="8472457" y="4663216"/>
+            <a:off x="8472458" y="4663217"/>
             <a:ext cx="548700" cy="393600"/>
           </a:xfrm>
           <a:prstGeom prst="rect">
@@ -11738,7 +11834,7 @@
         </p:nvSpPr>
         <p:spPr>
           <a:xfrm>
-            <a:off x="8472457" y="4663216"/>
+            <a:off x="8472458" y="4663217"/>
             <a:ext cx="548700" cy="393600"/>
           </a:xfrm>
           <a:prstGeom prst="rect">
@@ -12154,7 +12250,7 @@
         </p:nvSpPr>
         <p:spPr>
           <a:xfrm>
-            <a:off x="8472457" y="4663216"/>
+            <a:off x="8472458" y="4663217"/>
             <a:ext cx="548700" cy="393600"/>
           </a:xfrm>
           <a:prstGeom prst="rect">
@@ -12252,7 +12348,7 @@
         </p:nvSpPr>
         <p:spPr>
           <a:xfrm>
-            <a:off x="8472457" y="4663216"/>
+            <a:off x="8472458" y="4663217"/>
             <a:ext cx="548700" cy="393600"/>
           </a:xfrm>
           <a:prstGeom prst="rect">
@@ -12692,7 +12788,7 @@
         </p:nvSpPr>
         <p:spPr>
           <a:xfrm>
-            <a:off x="8472457" y="4663216"/>
+            <a:off x="8472458" y="4663217"/>
             <a:ext cx="548700" cy="393600"/>
           </a:xfrm>
           <a:prstGeom prst="rect">
@@ -13220,7 +13316,7 @@
         </p:nvSpPr>
         <p:spPr>
           <a:xfrm>
-            <a:off x="628650" y="273845"/>
+            <a:off x="628651" y="273845"/>
             <a:ext cx="7886700" cy="994200"/>
           </a:xfrm>
           <a:prstGeom prst="rect">
@@ -13335,7 +13431,7 @@
         </p:nvSpPr>
         <p:spPr>
           <a:xfrm>
-            <a:off x="628650" y="1369220"/>
+            <a:off x="628651" y="1369220"/>
             <a:ext cx="7886700" cy="3263400"/>
           </a:xfrm>
           <a:prstGeom prst="rect">
@@ -13570,7 +13666,7 @@
         </p:nvSpPr>
         <p:spPr>
           <a:xfrm>
-            <a:off x="628650" y="4767269"/>
+            <a:off x="628651" y="4767269"/>
             <a:ext cx="2057400" cy="273900"/>
           </a:xfrm>
           <a:prstGeom prst="rect">
@@ -13914,8 +14010,8 @@
         </p:nvSpPr>
         <p:spPr>
           <a:xfrm>
-            <a:off x="6457955" y="4767269"/>
-            <a:ext cx="2057399" cy="273900"/>
+            <a:off x="6457956" y="4767269"/>
+            <a:ext cx="2057400" cy="273900"/>
           </a:xfrm>
           <a:prstGeom prst="rect">
             <a:avLst/>
@@ -14467,7 +14563,7 @@
         </p:nvSpPr>
         <p:spPr>
           <a:xfrm>
-            <a:off x="628650" y="273845"/>
+            <a:off x="628651" y="273845"/>
             <a:ext cx="7886700" cy="994200"/>
           </a:xfrm>
           <a:prstGeom prst="rect">
@@ -14503,7 +14599,7 @@
         </p:nvSpPr>
         <p:spPr>
           <a:xfrm>
-            <a:off x="628650" y="1369220"/>
+            <a:off x="628651" y="1369220"/>
             <a:ext cx="7886700" cy="3263400"/>
           </a:xfrm>
           <a:prstGeom prst="rect">
@@ -14648,7 +14744,7 @@
         </p:nvSpPr>
         <p:spPr>
           <a:xfrm>
-            <a:off x="628650" y="273845"/>
+            <a:off x="628651" y="273845"/>
             <a:ext cx="7886700" cy="994200"/>
           </a:xfrm>
           <a:prstGeom prst="rect">
@@ -14684,7 +14780,7 @@
         </p:nvSpPr>
         <p:spPr>
           <a:xfrm>
-            <a:off x="628650" y="1369220"/>
+            <a:off x="628651" y="1369220"/>
             <a:ext cx="7886700" cy="3263400"/>
           </a:xfrm>
           <a:prstGeom prst="rect">
@@ -14793,7 +14889,7 @@
         </p:nvSpPr>
         <p:spPr>
           <a:xfrm>
-            <a:off x="628650" y="273845"/>
+            <a:off x="628651" y="273845"/>
             <a:ext cx="7886700" cy="994200"/>
           </a:xfrm>
           <a:prstGeom prst="rect">
@@ -14829,7 +14925,7 @@
         </p:nvSpPr>
         <p:spPr>
           <a:xfrm>
-            <a:off x="628650" y="1369220"/>
+            <a:off x="628651" y="1369220"/>
             <a:ext cx="7886700" cy="3263400"/>
           </a:xfrm>
           <a:prstGeom prst="rect">
@@ -14885,48 +14981,12 @@
           <p:cNvPr id="148" name="Shape 148"/>
           <p:cNvSpPr txBox="1"/>
           <p:nvPr>
-            <p:ph type="title"/>
-          </p:nvPr>
-        </p:nvSpPr>
-        <p:spPr>
-          <a:xfrm>
-            <a:off x="628650" y="273845"/>
-            <a:ext cx="7886700" cy="994200"/>
-          </a:xfrm>
-          <a:prstGeom prst="rect">
-            <a:avLst/>
-          </a:prstGeom>
-        </p:spPr>
-        <p:txBody>
-          <a:bodyPr anchorCtr="0" anchor="ctr" bIns="53225" lIns="53225" rIns="53225" wrap="square" tIns="53225">
-            <a:noAutofit/>
-          </a:bodyPr>
-          <a:lstStyle/>
-          <a:p>
-            <a:pPr lvl="0">
-              <a:spcBef>
-                <a:spcPts val="0"/>
-              </a:spcBef>
-              <a:buNone/>
-            </a:pPr>
-            <a:r>
-              <a:t/>
-            </a:r>
-            <a:endParaRPr/>
-          </a:p>
-        </p:txBody>
-      </p:sp>
-      <p:sp>
-        <p:nvSpPr>
-          <p:cNvPr id="149" name="Shape 149"/>
-          <p:cNvSpPr txBox="1"/>
-          <p:nvPr>
             <p:ph idx="1" type="body"/>
           </p:nvPr>
         </p:nvSpPr>
         <p:spPr>
           <a:xfrm>
-            <a:off x="628650" y="1369220"/>
+            <a:off x="628651" y="1369220"/>
             <a:ext cx="7886700" cy="3263400"/>
           </a:xfrm>
           <a:prstGeom prst="rect">
@@ -14954,7 +15014,7 @@
       </p:sp>
       <p:pic>
         <p:nvPicPr>
-          <p:cNvPr id="150" name="Shape 150"/>
+          <p:cNvPr id="149" name="Shape 149"/>
           <p:cNvPicPr preferRelativeResize="0"/>
           <p:nvPr/>
         </p:nvPicPr>
@@ -14968,7 +15028,7 @@
         </p:blipFill>
         <p:spPr>
           <a:xfrm>
-            <a:off x="0" y="475009"/>
+            <a:off x="0" y="475010"/>
             <a:ext cx="9144001" cy="4193481"/>
           </a:xfrm>
           <a:prstGeom prst="rect">
@@ -14993,7 +15053,7 @@
   <p:cSld>
     <p:spTree>
       <p:nvGrpSpPr>
-        <p:cNvPr id="154" name="Shape 154"/>
+        <p:cNvPr id="153" name="Shape 153"/>
         <p:cNvGrpSpPr/>
         <p:nvPr/>
       </p:nvGrpSpPr>
@@ -15007,7 +15067,7 @@
       </p:grpSpPr>
       <p:sp>
         <p:nvSpPr>
-          <p:cNvPr id="155" name="Shape 155"/>
+          <p:cNvPr id="154" name="Shape 154"/>
           <p:cNvSpPr txBox="1"/>
           <p:nvPr>
             <p:ph type="title"/>
@@ -15015,7 +15075,7 @@
         </p:nvSpPr>
         <p:spPr>
           <a:xfrm>
-            <a:off x="628650" y="273845"/>
+            <a:off x="628651" y="273845"/>
             <a:ext cx="7886700" cy="994200"/>
           </a:xfrm>
           <a:prstGeom prst="rect">
@@ -15043,7 +15103,7 @@
       </p:sp>
       <p:sp>
         <p:nvSpPr>
-          <p:cNvPr id="156" name="Shape 156"/>
+          <p:cNvPr id="155" name="Shape 155"/>
           <p:cNvSpPr txBox="1"/>
           <p:nvPr>
             <p:ph idx="1" type="body"/>
@@ -15051,7 +15111,7 @@
         </p:nvSpPr>
         <p:spPr>
           <a:xfrm>
-            <a:off x="628650" y="1369220"/>
+            <a:off x="628651" y="1369220"/>
             <a:ext cx="7886700" cy="3263400"/>
           </a:xfrm>
           <a:prstGeom prst="rect">
@@ -15114,7 +15174,7 @@
   <p:cSld>
     <p:spTree>
       <p:nvGrpSpPr>
-        <p:cNvPr id="160" name="Shape 160"/>
+        <p:cNvPr id="159" name="Shape 159"/>
         <p:cNvGrpSpPr/>
         <p:nvPr/>
       </p:nvGrpSpPr>
@@ -15128,7 +15188,7 @@
       </p:grpSpPr>
       <p:sp>
         <p:nvSpPr>
-          <p:cNvPr id="161" name="Shape 161"/>
+          <p:cNvPr id="160" name="Shape 160"/>
           <p:cNvSpPr txBox="1"/>
           <p:nvPr>
             <p:ph type="title"/>
@@ -15136,7 +15196,7 @@
         </p:nvSpPr>
         <p:spPr>
           <a:xfrm>
-            <a:off x="628650" y="273845"/>
+            <a:off x="628651" y="273845"/>
             <a:ext cx="7886700" cy="994200"/>
           </a:xfrm>
           <a:prstGeom prst="rect">
@@ -15168,7 +15228,7 @@
       </p:sp>
       <p:sp>
         <p:nvSpPr>
-          <p:cNvPr id="162" name="Shape 162"/>
+          <p:cNvPr id="161" name="Shape 161"/>
           <p:cNvSpPr txBox="1"/>
           <p:nvPr>
             <p:ph idx="1" type="body"/>
@@ -15176,7 +15236,7 @@
         </p:nvSpPr>
         <p:spPr>
           <a:xfrm>
-            <a:off x="628650" y="1369220"/>
+            <a:off x="628651" y="1369220"/>
             <a:ext cx="7886700" cy="3263400"/>
           </a:xfrm>
           <a:prstGeom prst="rect">
@@ -15227,7 +15287,7 @@
   <p:cSld>
     <p:spTree>
       <p:nvGrpSpPr>
-        <p:cNvPr id="166" name="Shape 166"/>
+        <p:cNvPr id="165" name="Shape 165"/>
         <p:cNvGrpSpPr/>
         <p:nvPr/>
       </p:nvGrpSpPr>
@@ -15241,7 +15301,7 @@
       </p:grpSpPr>
       <p:sp>
         <p:nvSpPr>
-          <p:cNvPr id="167" name="Shape 167"/>
+          <p:cNvPr id="166" name="Shape 166"/>
           <p:cNvSpPr txBox="1"/>
           <p:nvPr>
             <p:ph idx="1" type="body"/>
@@ -15249,7 +15309,7 @@
         </p:nvSpPr>
         <p:spPr>
           <a:xfrm>
-            <a:off x="628650" y="1369220"/>
+            <a:off x="628651" y="1369220"/>
             <a:ext cx="7886700" cy="3263400"/>
           </a:xfrm>
           <a:prstGeom prst="rect">
@@ -15331,7 +15391,417 @@
 </p:sld>
 </file>
 
+<file path=ppt/slides/slide8.xml><?xml version="1.0" encoding="utf-8"?>
+<p:sld xmlns:a="http://schemas.openxmlformats.org/drawingml/2006/main" xmlns:r="http://schemas.openxmlformats.org/officeDocument/2006/relationships" xmlns:mc="http://schemas.openxmlformats.org/markup-compatibility/2006" xmlns:mv="urn:schemas-microsoft-com:mac:vml" xmlns:p="http://schemas.openxmlformats.org/presentationml/2006/main" xmlns:c="http://schemas.openxmlformats.org/drawingml/2006/chart" xmlns:dgm="http://schemas.openxmlformats.org/drawingml/2006/diagram" xmlns:o="urn:schemas-microsoft-com:office:office" xmlns:v="urn:schemas-microsoft-com:vml" xmlns:pvml="urn:schemas-microsoft-com:office:powerpoint" xmlns:com="http://schemas.openxmlformats.org/drawingml/2006/compatibility" xmlns:p14="http://schemas.microsoft.com/office/powerpoint/2010/main" xmlns:p15="http://schemas.microsoft.com/office/powerpoint/2012/main">
+  <p:cSld>
+    <p:spTree>
+      <p:nvGrpSpPr>
+        <p:cNvPr id="170" name="Shape 170"/>
+        <p:cNvGrpSpPr/>
+        <p:nvPr/>
+      </p:nvGrpSpPr>
+      <p:grpSpPr>
+        <a:xfrm>
+          <a:off x="0" y="0"/>
+          <a:ext cx="0" cy="0"/>
+          <a:chOff x="0" y="0"/>
+          <a:chExt cx="0" cy="0"/>
+        </a:xfrm>
+      </p:grpSpPr>
+      <p:sp>
+        <p:nvSpPr>
+          <p:cNvPr id="171" name="Shape 171"/>
+          <p:cNvSpPr txBox="1"/>
+          <p:nvPr>
+            <p:ph type="title"/>
+          </p:nvPr>
+        </p:nvSpPr>
+        <p:spPr>
+          <a:xfrm>
+            <a:off x="628651" y="273845"/>
+            <a:ext cx="7886700" cy="994200"/>
+          </a:xfrm>
+          <a:prstGeom prst="rect">
+            <a:avLst/>
+          </a:prstGeom>
+        </p:spPr>
+        <p:txBody>
+          <a:bodyPr anchorCtr="0" anchor="ctr" bIns="53225" lIns="53225" rIns="53225" wrap="square" tIns="53225">
+            <a:noAutofit/>
+          </a:bodyPr>
+          <a:lstStyle/>
+          <a:p>
+            <a:pPr lvl="0">
+              <a:spcBef>
+                <a:spcPts val="0"/>
+              </a:spcBef>
+              <a:buNone/>
+            </a:pPr>
+            <a:r>
+              <a:rPr lang="es-419"/>
+              <a:t>Ejercicio</a:t>
+            </a:r>
+          </a:p>
+        </p:txBody>
+      </p:sp>
+      <p:sp>
+        <p:nvSpPr>
+          <p:cNvPr id="172" name="Shape 172"/>
+          <p:cNvSpPr txBox="1"/>
+          <p:nvPr>
+            <p:ph idx="1" type="body"/>
+          </p:nvPr>
+        </p:nvSpPr>
+        <p:spPr>
+          <a:xfrm>
+            <a:off x="628651" y="1369220"/>
+            <a:ext cx="7886700" cy="3263400"/>
+          </a:xfrm>
+          <a:prstGeom prst="rect">
+            <a:avLst/>
+          </a:prstGeom>
+        </p:spPr>
+        <p:txBody>
+          <a:bodyPr anchorCtr="0" anchor="t" bIns="53225" lIns="53225" rIns="53225" wrap="square" tIns="53225">
+            <a:noAutofit/>
+          </a:bodyPr>
+          <a:lstStyle/>
+          <a:p>
+            <a:pPr indent="-228600" lvl="0" marL="457200">
+              <a:spcBef>
+                <a:spcPts val="0"/>
+              </a:spcBef>
+            </a:pPr>
+            <a:r>
+              <a:rPr lang="es-419"/>
+              <a:t>hacer un </a:t>
+            </a:r>
+            <a:r>
+              <a:rPr lang="es-419"/>
+              <a:t>modelo</a:t>
+            </a:r>
+            <a:r>
+              <a:rPr lang="es-419"/>
+              <a:t> lineal para predicir arr_delay </a:t>
+            </a:r>
+            <a:r>
+              <a:rPr lang="es-419"/>
+              <a:t>utiliza</a:t>
+            </a:r>
+            <a:r>
+              <a:rPr lang="es-419"/>
+              <a:t> dep_delay y uniquecarrier</a:t>
+            </a:r>
+          </a:p>
+          <a:p>
+            <a:pPr indent="-228600" lvl="0" marL="457200">
+              <a:spcBef>
+                <a:spcPts val="0"/>
+              </a:spcBef>
+            </a:pPr>
+            <a:r>
+              <a:rPr lang="es-419"/>
+              <a:t>mostrar en un </a:t>
+            </a:r>
+            <a:r>
+              <a:rPr lang="es-419"/>
+              <a:t>gráfico</a:t>
+            </a:r>
+            <a:r>
+              <a:rPr lang="es-419"/>
+              <a:t> los resultados</a:t>
+            </a:r>
+          </a:p>
+        </p:txBody>
+      </p:sp>
+    </p:spTree>
+  </p:cSld>
+  <p:clrMapOvr>
+    <a:masterClrMapping/>
+  </p:clrMapOvr>
+</p:sld>
+</file>
+
 <file path=ppt/theme/theme1.xml><?xml version="1.0" encoding="utf-8"?>
+<a:theme xmlns:a="http://schemas.openxmlformats.org/drawingml/2006/main" xmlns:r="http://schemas.openxmlformats.org/officeDocument/2006/relationships" name="Tema BSGRUPO">
+  <a:themeElements>
+    <a:clrScheme name="Tema de Office">
+      <a:dk1>
+        <a:srgbClr val="000000"/>
+      </a:dk1>
+      <a:lt1>
+        <a:srgbClr val="FFFFFF"/>
+      </a:lt1>
+      <a:dk2>
+        <a:srgbClr val="44546A"/>
+      </a:dk2>
+      <a:lt2>
+        <a:srgbClr val="E7E6E6"/>
+      </a:lt2>
+      <a:accent1>
+        <a:srgbClr val="5B9BD5"/>
+      </a:accent1>
+      <a:accent2>
+        <a:srgbClr val="ED7D31"/>
+      </a:accent2>
+      <a:accent3>
+        <a:srgbClr val="A5A5A5"/>
+      </a:accent3>
+      <a:accent4>
+        <a:srgbClr val="FFC000"/>
+      </a:accent4>
+      <a:accent5>
+        <a:srgbClr val="4472C4"/>
+      </a:accent5>
+      <a:accent6>
+        <a:srgbClr val="70AD47"/>
+      </a:accent6>
+      <a:hlink>
+        <a:srgbClr val="0563C1"/>
+      </a:hlink>
+      <a:folHlink>
+        <a:srgbClr val="954F72"/>
+      </a:folHlink>
+    </a:clrScheme>
+    <a:fontScheme name="Office">
+      <a:majorFont>
+        <a:latin typeface="Arial"/>
+        <a:ea typeface=""/>
+        <a:cs typeface=""/>
+        <a:font script="Jpan" typeface="ＭＳ Ｐゴシック"/>
+        <a:font script="Hang" typeface="맑은 고딕"/>
+        <a:font script="Hans" typeface="宋体"/>
+        <a:font script="Hant" typeface="新細明體"/>
+        <a:font script="Arab" typeface="Times New Roman"/>
+        <a:font script="Hebr" typeface="Times New Roman"/>
+        <a:font script="Thai" typeface="Angsana New"/>
+        <a:font script="Ethi" typeface="Nyala"/>
+        <a:font script="Beng" typeface="Vrinda"/>
+        <a:font script="Gujr" typeface="Shruti"/>
+        <a:font script="Khmr" typeface="MoolBoran"/>
+        <a:font script="Knda" typeface="Tunga"/>
+        <a:font script="Guru" typeface="Raavi"/>
+        <a:font script="Cans" typeface="Euphemia"/>
+        <a:font script="Cher" typeface="Plantagenet Cherokee"/>
+        <a:font script="Yiii" typeface="Microsoft Yi Baiti"/>
+        <a:font script="Tibt" typeface="Microsoft Himalaya"/>
+        <a:font script="Thaa" typeface="MV Boli"/>
+        <a:font script="Deva" typeface="Mangal"/>
+        <a:font script="Telu" typeface="Gautami"/>
+        <a:font script="Taml" typeface="Latha"/>
+        <a:font script="Syrc" typeface="Estrangelo Edessa"/>
+        <a:font script="Orya" typeface="Kalinga"/>
+        <a:font script="Mlym" typeface="Kartika"/>
+        <a:font script="Laoo" typeface="DokChampa"/>
+        <a:font script="Sinh" typeface="Iskoola Pota"/>
+        <a:font script="Mong" typeface="Mongolian Baiti"/>
+        <a:font script="Viet" typeface="Times New Roman"/>
+        <a:font script="Uigh" typeface="Microsoft Uighur"/>
+        <a:font script="Geor" typeface="Sylfaen"/>
+      </a:majorFont>
+      <a:minorFont>
+        <a:latin typeface="Arial"/>
+        <a:ea typeface=""/>
+        <a:cs typeface=""/>
+        <a:font script="Jpan" typeface="ＭＳ Ｐゴシック"/>
+        <a:font script="Hang" typeface="맑은 고딕"/>
+        <a:font script="Hans" typeface="宋体"/>
+        <a:font script="Hant" typeface="新細明體"/>
+        <a:font script="Arab" typeface="Arial"/>
+        <a:font script="Hebr" typeface="Arial"/>
+        <a:font script="Thai" typeface="Cordia New"/>
+        <a:font script="Ethi" typeface="Nyala"/>
+        <a:font script="Beng" typeface="Vrinda"/>
+        <a:font script="Gujr" typeface="Shruti"/>
+        <a:font script="Khmr" typeface="DaunPenh"/>
+        <a:font script="Knda" typeface="Tunga"/>
+        <a:font script="Guru" typeface="Raavi"/>
+        <a:font script="Cans" typeface="Euphemia"/>
+        <a:font script="Cher" typeface="Plantagenet Cherokee"/>
+        <a:font script="Yiii" typeface="Microsoft Yi Baiti"/>
+        <a:font script="Tibt" typeface="Microsoft Himalaya"/>
+        <a:font script="Thaa" typeface="MV Boli"/>
+        <a:font script="Deva" typeface="Mangal"/>
+        <a:font script="Telu" typeface="Gautami"/>
+        <a:font script="Taml" typeface="Latha"/>
+        <a:font script="Syrc" typeface="Estrangelo Edessa"/>
+        <a:font script="Orya" typeface="Kalinga"/>
+        <a:font script="Mlym" typeface="Kartika"/>
+        <a:font script="Laoo" typeface="DokChampa"/>
+        <a:font script="Sinh" typeface="Iskoola Pota"/>
+        <a:font script="Mong" typeface="Mongolian Baiti"/>
+        <a:font script="Viet" typeface="Arial"/>
+        <a:font script="Uigh" typeface="Microsoft Uighur"/>
+        <a:font script="Geor" typeface="Sylfaen"/>
+      </a:minorFont>
+    </a:fontScheme>
+    <a:fmtScheme name="Office">
+      <a:fillStyleLst>
+        <a:solidFill>
+          <a:schemeClr val="phClr"/>
+        </a:solidFill>
+        <a:gradFill rotWithShape="1">
+          <a:gsLst>
+            <a:gs pos="0">
+              <a:schemeClr val="phClr">
+                <a:tint val="50000"/>
+                <a:satMod val="300000"/>
+              </a:schemeClr>
+            </a:gs>
+            <a:gs pos="35000">
+              <a:schemeClr val="phClr">
+                <a:tint val="37000"/>
+                <a:satMod val="300000"/>
+              </a:schemeClr>
+            </a:gs>
+            <a:gs pos="100000">
+              <a:schemeClr val="phClr">
+                <a:tint val="15000"/>
+                <a:satMod val="350000"/>
+              </a:schemeClr>
+            </a:gs>
+          </a:gsLst>
+          <a:lin ang="16200000" scaled="1"/>
+        </a:gradFill>
+        <a:gradFill rotWithShape="1">
+          <a:gsLst>
+            <a:gs pos="0">
+              <a:schemeClr val="phClr">
+                <a:tint val="100000"/>
+                <a:shade val="100000"/>
+                <a:satMod val="130000"/>
+              </a:schemeClr>
+            </a:gs>
+            <a:gs pos="100000">
+              <a:schemeClr val="phClr">
+                <a:tint val="50000"/>
+                <a:shade val="100000"/>
+                <a:satMod val="350000"/>
+              </a:schemeClr>
+            </a:gs>
+          </a:gsLst>
+          <a:lin ang="16200000" scaled="0"/>
+        </a:gradFill>
+      </a:fillStyleLst>
+      <a:lnStyleLst>
+        <a:ln w="9525" cap="flat" cmpd="sng" algn="ctr">
+          <a:solidFill>
+            <a:schemeClr val="phClr">
+              <a:shade val="95000"/>
+              <a:satMod val="105000"/>
+            </a:schemeClr>
+          </a:solidFill>
+          <a:prstDash val="solid"/>
+        </a:ln>
+        <a:ln w="25400" cap="flat" cmpd="sng" algn="ctr">
+          <a:solidFill>
+            <a:schemeClr val="phClr"/>
+          </a:solidFill>
+          <a:prstDash val="solid"/>
+        </a:ln>
+        <a:ln w="38100" cap="flat" cmpd="sng" algn="ctr">
+          <a:solidFill>
+            <a:schemeClr val="phClr"/>
+          </a:solidFill>
+          <a:prstDash val="solid"/>
+        </a:ln>
+      </a:lnStyleLst>
+      <a:effectStyleLst>
+        <a:effectStyle>
+          <a:effectLst>
+            <a:outerShdw blurRad="40000" dist="20000" dir="5400000" rotWithShape="0">
+              <a:srgbClr val="000000">
+                <a:alpha val="38000"/>
+              </a:srgbClr>
+            </a:outerShdw>
+          </a:effectLst>
+        </a:effectStyle>
+        <a:effectStyle>
+          <a:effectLst>
+            <a:outerShdw blurRad="40000" dist="23000" dir="5400000" rotWithShape="0">
+              <a:srgbClr val="000000">
+                <a:alpha val="35000"/>
+              </a:srgbClr>
+            </a:outerShdw>
+          </a:effectLst>
+        </a:effectStyle>
+        <a:effectStyle>
+          <a:effectLst>
+            <a:outerShdw blurRad="40000" dist="23000" dir="5400000" rotWithShape="0">
+              <a:srgbClr val="000000">
+                <a:alpha val="35000"/>
+              </a:srgbClr>
+            </a:outerShdw>
+          </a:effectLst>
+          <a:scene3d>
+            <a:camera prst="orthographicFront">
+              <a:rot lat="0" lon="0" rev="0"/>
+            </a:camera>
+            <a:lightRig rig="threePt" dir="t">
+              <a:rot lat="0" lon="0" rev="1200000"/>
+            </a:lightRig>
+          </a:scene3d>
+          <a:sp3d>
+            <a:bevelT w="63500" h="25400"/>
+          </a:sp3d>
+        </a:effectStyle>
+      </a:effectStyleLst>
+      <a:bgFillStyleLst>
+        <a:solidFill>
+          <a:schemeClr val="phClr"/>
+        </a:solidFill>
+        <a:gradFill rotWithShape="1">
+          <a:gsLst>
+            <a:gs pos="0">
+              <a:schemeClr val="phClr">
+                <a:tint val="40000"/>
+                <a:satMod val="350000"/>
+              </a:schemeClr>
+            </a:gs>
+            <a:gs pos="40000">
+              <a:schemeClr val="phClr">
+                <a:tint val="45000"/>
+                <a:shade val="99000"/>
+                <a:satMod val="350000"/>
+              </a:schemeClr>
+            </a:gs>
+            <a:gs pos="100000">
+              <a:schemeClr val="phClr">
+                <a:shade val="20000"/>
+                <a:satMod val="255000"/>
+              </a:schemeClr>
+            </a:gs>
+          </a:gsLst>
+          <a:path path="circle">
+            <a:fillToRect l="50000" t="-80000" r="50000" b="180000"/>
+          </a:path>
+        </a:gradFill>
+        <a:gradFill rotWithShape="1">
+          <a:gsLst>
+            <a:gs pos="0">
+              <a:schemeClr val="phClr">
+                <a:tint val="80000"/>
+                <a:satMod val="300000"/>
+              </a:schemeClr>
+            </a:gs>
+            <a:gs pos="100000">
+              <a:schemeClr val="phClr">
+                <a:shade val="30000"/>
+                <a:satMod val="200000"/>
+              </a:schemeClr>
+            </a:gs>
+          </a:gsLst>
+          <a:path path="circle">
+            <a:fillToRect l="50000" t="50000" r="50000" b="50000"/>
+          </a:path>
+        </a:gradFill>
+      </a:bgFillStyleLst>
+    </a:fmtScheme>
+  </a:themeElements>
+</a:theme>
+</file>
+
+<file path=ppt/theme/theme2.xml><?xml version="1.0" encoding="utf-8"?>
 <a:theme xmlns:a="http://schemas.openxmlformats.org/drawingml/2006/main" xmlns:r="http://schemas.openxmlformats.org/officeDocument/2006/relationships" name="Simple Light">
   <a:themeElements>
     <a:clrScheme name="Simple Light">
@@ -15610,7 +16080,7 @@
 </a:theme>
 </file>
 
-<file path=ppt/theme/theme2.xml><?xml version="1.0" encoding="utf-8"?>
+<file path=ppt/theme/theme3.xml><?xml version="1.0" encoding="utf-8"?>
 <a:theme xmlns:a="http://schemas.openxmlformats.org/drawingml/2006/main" xmlns:r="http://schemas.openxmlformats.org/officeDocument/2006/relationships" name="Custom Theme">
   <a:themeElements>
     <a:clrScheme name="Default">
@@ -15887,283 +16357,4 @@
     </a:fmtScheme>
   </a:themeElements>
 </a:theme>
-</file>
-
-<file path=ppt/theme/theme3.xml><?xml version="1.0" encoding="utf-8"?>
-<a:theme xmlns:a="http://schemas.openxmlformats.org/drawingml/2006/main" xmlns:r="http://schemas.openxmlformats.org/officeDocument/2006/relationships" name="Tema BSGRUPO">
-  <a:themeElements>
-    <a:clrScheme name="Tema de Office">
-      <a:dk1>
-        <a:srgbClr val="000000"/>
-      </a:dk1>
-      <a:lt1>
-        <a:srgbClr val="FFFFFF"/>
-      </a:lt1>
-      <a:dk2>
-        <a:srgbClr val="44546A"/>
-      </a:dk2>
-      <a:lt2>
-        <a:srgbClr val="E7E6E6"/>
-      </a:lt2>
-      <a:accent1>
-        <a:srgbClr val="5B9BD5"/>
-      </a:accent1>
-      <a:accent2>
-        <a:srgbClr val="ED7D31"/>
-      </a:accent2>
-      <a:accent3>
-        <a:srgbClr val="A5A5A5"/>
-      </a:accent3>
-      <a:accent4>
-        <a:srgbClr val="FFC000"/>
-      </a:accent4>
-      <a:accent5>
-        <a:srgbClr val="4472C4"/>
-      </a:accent5>
-      <a:accent6>
-        <a:srgbClr val="70AD47"/>
-      </a:accent6>
-      <a:hlink>
-        <a:srgbClr val="0563C1"/>
-      </a:hlink>
-      <a:folHlink>
-        <a:srgbClr val="954F72"/>
-      </a:folHlink>
-    </a:clrScheme>
-    <a:fontScheme name="Office">
-      <a:majorFont>
-        <a:latin typeface="Arial"/>
-        <a:ea typeface=""/>
-        <a:cs typeface=""/>
-        <a:font script="Jpan" typeface="ＭＳ Ｐゴシック"/>
-        <a:font script="Hang" typeface="맑은 고딕"/>
-        <a:font script="Hans" typeface="宋体"/>
-        <a:font script="Hant" typeface="新細明體"/>
-        <a:font script="Arab" typeface="Times New Roman"/>
-        <a:font script="Hebr" typeface="Times New Roman"/>
-        <a:font script="Thai" typeface="Angsana New"/>
-        <a:font script="Ethi" typeface="Nyala"/>
-        <a:font script="Beng" typeface="Vrinda"/>
-        <a:font script="Gujr" typeface="Shruti"/>
-        <a:font script="Khmr" typeface="MoolBoran"/>
-        <a:font script="Knda" typeface="Tunga"/>
-        <a:font script="Guru" typeface="Raavi"/>
-        <a:font script="Cans" typeface="Euphemia"/>
-        <a:font script="Cher" typeface="Plantagenet Cherokee"/>
-        <a:font script="Yiii" typeface="Microsoft Yi Baiti"/>
-        <a:font script="Tibt" typeface="Microsoft Himalaya"/>
-        <a:font script="Thaa" typeface="MV Boli"/>
-        <a:font script="Deva" typeface="Mangal"/>
-        <a:font script="Telu" typeface="Gautami"/>
-        <a:font script="Taml" typeface="Latha"/>
-        <a:font script="Syrc" typeface="Estrangelo Edessa"/>
-        <a:font script="Orya" typeface="Kalinga"/>
-        <a:font script="Mlym" typeface="Kartika"/>
-        <a:font script="Laoo" typeface="DokChampa"/>
-        <a:font script="Sinh" typeface="Iskoola Pota"/>
-        <a:font script="Mong" typeface="Mongolian Baiti"/>
-        <a:font script="Viet" typeface="Times New Roman"/>
-        <a:font script="Uigh" typeface="Microsoft Uighur"/>
-        <a:font script="Geor" typeface="Sylfaen"/>
-      </a:majorFont>
-      <a:minorFont>
-        <a:latin typeface="Arial"/>
-        <a:ea typeface=""/>
-        <a:cs typeface=""/>
-        <a:font script="Jpan" typeface="ＭＳ Ｐゴシック"/>
-        <a:font script="Hang" typeface="맑은 고딕"/>
-        <a:font script="Hans" typeface="宋体"/>
-        <a:font script="Hant" typeface="新細明體"/>
-        <a:font script="Arab" typeface="Arial"/>
-        <a:font script="Hebr" typeface="Arial"/>
-        <a:font script="Thai" typeface="Cordia New"/>
-        <a:font script="Ethi" typeface="Nyala"/>
-        <a:font script="Beng" typeface="Vrinda"/>
-        <a:font script="Gujr" typeface="Shruti"/>
-        <a:font script="Khmr" typeface="DaunPenh"/>
-        <a:font script="Knda" typeface="Tunga"/>
-        <a:font script="Guru" typeface="Raavi"/>
-        <a:font script="Cans" typeface="Euphemia"/>
-        <a:font script="Cher" typeface="Plantagenet Cherokee"/>
-        <a:font script="Yiii" typeface="Microsoft Yi Baiti"/>
-        <a:font script="Tibt" typeface="Microsoft Himalaya"/>
-        <a:font script="Thaa" typeface="MV Boli"/>
-        <a:font script="Deva" typeface="Mangal"/>
-        <a:font script="Telu" typeface="Gautami"/>
-        <a:font script="Taml" typeface="Latha"/>
-        <a:font script="Syrc" typeface="Estrangelo Edessa"/>
-        <a:font script="Orya" typeface="Kalinga"/>
-        <a:font script="Mlym" typeface="Kartika"/>
-        <a:font script="Laoo" typeface="DokChampa"/>
-        <a:font script="Sinh" typeface="Iskoola Pota"/>
-        <a:font script="Mong" typeface="Mongolian Baiti"/>
-        <a:font script="Viet" typeface="Arial"/>
-        <a:font script="Uigh" typeface="Microsoft Uighur"/>
-        <a:font script="Geor" typeface="Sylfaen"/>
-      </a:minorFont>
-    </a:fontScheme>
-    <a:fmtScheme name="Office">
-      <a:fillStyleLst>
-        <a:solidFill>
-          <a:schemeClr val="phClr"/>
-        </a:solidFill>
-        <a:gradFill rotWithShape="1">
-          <a:gsLst>
-            <a:gs pos="0">
-              <a:schemeClr val="phClr">
-                <a:tint val="50000"/>
-                <a:satMod val="300000"/>
-              </a:schemeClr>
-            </a:gs>
-            <a:gs pos="35000">
-              <a:schemeClr val="phClr">
-                <a:tint val="37000"/>
-                <a:satMod val="300000"/>
-              </a:schemeClr>
-            </a:gs>
-            <a:gs pos="100000">
-              <a:schemeClr val="phClr">
-                <a:tint val="15000"/>
-                <a:satMod val="350000"/>
-              </a:schemeClr>
-            </a:gs>
-          </a:gsLst>
-          <a:lin ang="16200000" scaled="1"/>
-        </a:gradFill>
-        <a:gradFill rotWithShape="1">
-          <a:gsLst>
-            <a:gs pos="0">
-              <a:schemeClr val="phClr">
-                <a:tint val="100000"/>
-                <a:shade val="100000"/>
-                <a:satMod val="130000"/>
-              </a:schemeClr>
-            </a:gs>
-            <a:gs pos="100000">
-              <a:schemeClr val="phClr">
-                <a:tint val="50000"/>
-                <a:shade val="100000"/>
-                <a:satMod val="350000"/>
-              </a:schemeClr>
-            </a:gs>
-          </a:gsLst>
-          <a:lin ang="16200000" scaled="0"/>
-        </a:gradFill>
-      </a:fillStyleLst>
-      <a:lnStyleLst>
-        <a:ln w="9525" cap="flat" cmpd="sng" algn="ctr">
-          <a:solidFill>
-            <a:schemeClr val="phClr">
-              <a:shade val="95000"/>
-              <a:satMod val="105000"/>
-            </a:schemeClr>
-          </a:solidFill>
-          <a:prstDash val="solid"/>
-        </a:ln>
-        <a:ln w="25400" cap="flat" cmpd="sng" algn="ctr">
-          <a:solidFill>
-            <a:schemeClr val="phClr"/>
-          </a:solidFill>
-          <a:prstDash val="solid"/>
-        </a:ln>
-        <a:ln w="38100" cap="flat" cmpd="sng" algn="ctr">
-          <a:solidFill>
-            <a:schemeClr val="phClr"/>
-          </a:solidFill>
-          <a:prstDash val="solid"/>
-        </a:ln>
-      </a:lnStyleLst>
-      <a:effectStyleLst>
-        <a:effectStyle>
-          <a:effectLst>
-            <a:outerShdw blurRad="40000" dist="20000" dir="5400000" rotWithShape="0">
-              <a:srgbClr val="000000">
-                <a:alpha val="38000"/>
-              </a:srgbClr>
-            </a:outerShdw>
-          </a:effectLst>
-        </a:effectStyle>
-        <a:effectStyle>
-          <a:effectLst>
-            <a:outerShdw blurRad="40000" dist="23000" dir="5400000" rotWithShape="0">
-              <a:srgbClr val="000000">
-                <a:alpha val="35000"/>
-              </a:srgbClr>
-            </a:outerShdw>
-          </a:effectLst>
-        </a:effectStyle>
-        <a:effectStyle>
-          <a:effectLst>
-            <a:outerShdw blurRad="40000" dist="23000" dir="5400000" rotWithShape="0">
-              <a:srgbClr val="000000">
-                <a:alpha val="35000"/>
-              </a:srgbClr>
-            </a:outerShdw>
-          </a:effectLst>
-          <a:scene3d>
-            <a:camera prst="orthographicFront">
-              <a:rot lat="0" lon="0" rev="0"/>
-            </a:camera>
-            <a:lightRig rig="threePt" dir="t">
-              <a:rot lat="0" lon="0" rev="1200000"/>
-            </a:lightRig>
-          </a:scene3d>
-          <a:sp3d>
-            <a:bevelT w="63500" h="25400"/>
-          </a:sp3d>
-        </a:effectStyle>
-      </a:effectStyleLst>
-      <a:bgFillStyleLst>
-        <a:solidFill>
-          <a:schemeClr val="phClr"/>
-        </a:solidFill>
-        <a:gradFill rotWithShape="1">
-          <a:gsLst>
-            <a:gs pos="0">
-              <a:schemeClr val="phClr">
-                <a:tint val="40000"/>
-                <a:satMod val="350000"/>
-              </a:schemeClr>
-            </a:gs>
-            <a:gs pos="40000">
-              <a:schemeClr val="phClr">
-                <a:tint val="45000"/>
-                <a:shade val="99000"/>
-                <a:satMod val="350000"/>
-              </a:schemeClr>
-            </a:gs>
-            <a:gs pos="100000">
-              <a:schemeClr val="phClr">
-                <a:shade val="20000"/>
-                <a:satMod val="255000"/>
-              </a:schemeClr>
-            </a:gs>
-          </a:gsLst>
-          <a:path path="circle">
-            <a:fillToRect l="50000" t="-80000" r="50000" b="180000"/>
-          </a:path>
-        </a:gradFill>
-        <a:gradFill rotWithShape="1">
-          <a:gsLst>
-            <a:gs pos="0">
-              <a:schemeClr val="phClr">
-                <a:tint val="80000"/>
-                <a:satMod val="300000"/>
-              </a:schemeClr>
-            </a:gs>
-            <a:gs pos="100000">
-              <a:schemeClr val="phClr">
-                <a:shade val="30000"/>
-                <a:satMod val="200000"/>
-              </a:schemeClr>
-            </a:gs>
-          </a:gsLst>
-          <a:path path="circle">
-            <a:fillToRect l="50000" t="50000" r="50000" b="50000"/>
-          </a:path>
-        </a:gradFill>
-      </a:bgFillStyleLst>
-    </a:fmtScheme>
-  </a:themeElements>
-</a:theme>
 </file>